--- a/2022/hercules2022_A_intro.pptx
+++ b/2022/hercules2022_A_intro.pptx
@@ -249,7 +249,7 @@
             <a:fld id="{D680E798-53FF-4C51-A981-953463752515}" type="datetimeFigureOut">
               <a:rPr lang="fr-FR" smtClean="0"/>
               <a:pPr/>
-              <a:t>07/03/2022</a:t>
+              <a:t>10/03/2022</a:t>
             </a:fld>
             <a:endParaRPr lang="fr-FR"/>
           </a:p>
@@ -2206,7 +2206,7 @@
             <a:r>
               <a:rPr lang="en-US" sz="1225" dirty="0">
                 <a:solidFill>
-                  <a:srgbClr val="0070C0"/>
+                  <a:srgbClr val="002060"/>
                 </a:solidFill>
               </a:rPr>
               <a:t>Computer simulation of light sources and optical components is a mandatory step in the design and optimization of synchrotron and FEL radiation beamlines </a:t>
@@ -2265,7 +2265,7 @@
             <a:r>
               <a:rPr lang="en-US" sz="1225" dirty="0">
                 <a:solidFill>
-                  <a:srgbClr val="0070C0"/>
+                  <a:srgbClr val="002060"/>
                 </a:solidFill>
               </a:rPr>
               <a:t>different codes for numerical simulations are available, implementing different physical approaches </a:t>
@@ -2281,7 +2281,7 @@
         </p:nvSpPr>
         <p:spPr>
           <a:xfrm>
-            <a:off x="1583326" y="2867617"/>
+            <a:off x="1558485" y="2867617"/>
             <a:ext cx="2302802" cy="846129"/>
           </a:xfrm>
           <a:prstGeom prst="rect">
@@ -2324,7 +2324,7 @@
             <a:r>
               <a:rPr lang="en-US" sz="2449" b="1" dirty="0">
                 <a:solidFill>
-                  <a:srgbClr val="FF6600"/>
+                  <a:schemeClr val="accent2"/>
                 </a:solidFill>
               </a:rPr>
               <a:t>RAY-TRACING</a:t>
@@ -6325,7 +6325,7 @@
         <p:spPr>
           <a:xfrm>
             <a:off x="404780" y="1057300"/>
-            <a:ext cx="8245424" cy="3416320"/>
+            <a:ext cx="8245424" cy="3139321"/>
           </a:xfrm>
           <a:prstGeom prst="rect">
             <a:avLst/>
@@ -6423,8 +6423,21 @@
                   <a:srgbClr val="00B050"/>
                 </a:solidFill>
               </a:rPr>
-              <a:t>Understand basic principles of X-ray optics: Reflectivity (aberrations, slope errors), Diffractive (dispersion) and Refractive (chromatic aberrations).</a:t>
-            </a:r>
+              <a:t>Understand basic principles of X-ray optics: </a:t>
+            </a:r>
+            <a:r>
+              <a:rPr lang="en-US" dirty="0" smtClean="0">
+                <a:solidFill>
+                  <a:srgbClr val="00B050"/>
+                </a:solidFill>
+              </a:rPr>
+              <a:t>Mirrors and Crystals.</a:t>
+            </a:r>
+            <a:endParaRPr lang="en-US" dirty="0" smtClean="0">
+              <a:solidFill>
+                <a:srgbClr val="00B050"/>
+              </a:solidFill>
+            </a:endParaRPr>
           </a:p>
           <a:p>
             <a:pPr marL="285750" indent="-285750">
@@ -6966,21 +6979,8 @@
                   <a:srgbClr val="002692"/>
                 </a:solidFill>
               </a:rPr>
-              <a:t>What is OASYS? </a:t>
-            </a:r>
-            <a:r>
-              <a:rPr lang="en-US" dirty="0" smtClean="0">
-                <a:solidFill>
-                  <a:srgbClr val="002692"/>
-                </a:solidFill>
-              </a:rPr>
-              <a:t>What is its structure?</a:t>
-            </a:r>
-            <a:endParaRPr lang="en-US" dirty="0" smtClean="0">
-              <a:solidFill>
-                <a:srgbClr val="002692"/>
-              </a:solidFill>
-            </a:endParaRPr>
+              <a:t>What is OASYS? What is its structure?</a:t>
+            </a:r>
           </a:p>
           <a:p>
             <a:endParaRPr lang="en-US" dirty="0" smtClean="0">
@@ -7011,21 +7011,8 @@
                   <a:srgbClr val="002692"/>
                 </a:solidFill>
               </a:rPr>
-              <a:t>What kind of simulations can be performed with </a:t>
-            </a:r>
-            <a:r>
-              <a:rPr lang="en-US" dirty="0" smtClean="0">
-                <a:solidFill>
-                  <a:srgbClr val="002692"/>
-                </a:solidFill>
-              </a:rPr>
-              <a:t>it </a:t>
-            </a:r>
-            <a:endParaRPr lang="en-US" dirty="0" smtClean="0">
-              <a:solidFill>
-                <a:srgbClr val="002692"/>
-              </a:solidFill>
-            </a:endParaRPr>
+              <a:t>What kind of simulations can be performed with it </a:t>
+            </a:r>
           </a:p>
           <a:p>
             <a:pPr marL="285750" indent="-285750">
@@ -7065,29 +7052,8 @@
                   <a:srgbClr val="002692"/>
                 </a:solidFill>
               </a:rPr>
-              <a:t>xpected </a:t>
-            </a:r>
-            <a:r>
-              <a:rPr lang="en-US" dirty="0" smtClean="0">
-                <a:solidFill>
-                  <a:srgbClr val="002692"/>
-                </a:solidFill>
-              </a:rPr>
-              <a:t>outcome of this OASYS </a:t>
-            </a:r>
-            <a:r>
-              <a:rPr lang="en-US" dirty="0" smtClean="0">
-                <a:solidFill>
-                  <a:srgbClr val="002692"/>
-                </a:solidFill>
-              </a:rPr>
-              <a:t>tutorial</a:t>
-            </a:r>
-            <a:endParaRPr lang="en-US" dirty="0" smtClean="0">
-              <a:solidFill>
-                <a:srgbClr val="002692"/>
-              </a:solidFill>
-            </a:endParaRPr>
+              <a:t>xpected outcome of this OASYS tutorial</a:t>
+            </a:r>
           </a:p>
         </p:txBody>
       </p:sp>
@@ -7239,15 +7205,7 @@
                   <a:srgbClr val="002692"/>
                 </a:solidFill>
               </a:rPr>
-              <a:t>modelling synchrotron </a:t>
-            </a:r>
-            <a:r>
-              <a:rPr lang="en-US" dirty="0" smtClean="0">
-                <a:solidFill>
-                  <a:srgbClr val="002692"/>
-                </a:solidFill>
-              </a:rPr>
-              <a:t>beamlines. </a:t>
+              <a:t>modelling synchrotron beamlines. </a:t>
             </a:r>
           </a:p>
           <a:p>
